--- a/_book/plot/sinepharm-survey-hospital-lvl2-barplot-1.pptx
+++ b/_book/plot/sinepharm-survey-hospital-lvl2-barplot-1.pptx
@@ -3192,8 +3192,8 @@
           </p:nvSpPr>
           <p:spPr>
             <a:xfrm>
-              <a:off x="2280804" y="2186361"/>
-              <a:ext cx="3259831" cy="631795"/>
+              <a:off x="2279061" y="2186361"/>
+              <a:ext cx="3261574" cy="635492"/>
             </a:xfrm>
             <a:prstGeom prst="rect">
               <a:avLst/>
@@ -3218,15 +3218,15 @@
           </p:nvSpPr>
           <p:spPr>
             <a:xfrm>
-              <a:off x="2702058" y="2186361"/>
-              <a:ext cx="0" cy="631795"/>
+              <a:off x="2700540" y="2186361"/>
+              <a:ext cx="0" cy="635492"/>
             </a:xfrm>
             <a:custGeom>
               <a:avLst/>
               <a:pathLst>
-                <a:path w="0" h="631795">
+                <a:path w="0" h="635492">
                   <a:moveTo>
-                    <a:pt x="0" y="631795"/>
+                    <a:pt x="0" y="635492"/>
                   </a:moveTo>
                   <a:lnTo>
                     <a:pt x="0" y="0"/>
@@ -3261,15 +3261,15 @@
           </p:nvSpPr>
           <p:spPr>
             <a:xfrm>
-              <a:off x="3544566" y="2186361"/>
-              <a:ext cx="0" cy="631795"/>
+              <a:off x="3543498" y="2186361"/>
+              <a:ext cx="0" cy="635492"/>
             </a:xfrm>
             <a:custGeom>
               <a:avLst/>
               <a:pathLst>
-                <a:path w="0" h="631795">
+                <a:path w="0" h="635492">
                   <a:moveTo>
-                    <a:pt x="0" y="631795"/>
+                    <a:pt x="0" y="635492"/>
                   </a:moveTo>
                   <a:lnTo>
                     <a:pt x="0" y="0"/>
@@ -3304,15 +3304,15 @@
           </p:nvSpPr>
           <p:spPr>
             <a:xfrm>
-              <a:off x="4387074" y="2186361"/>
-              <a:ext cx="0" cy="631795"/>
+              <a:off x="4386457" y="2186361"/>
+              <a:ext cx="0" cy="635492"/>
             </a:xfrm>
             <a:custGeom>
               <a:avLst/>
               <a:pathLst>
-                <a:path w="0" h="631795">
+                <a:path w="0" h="635492">
                   <a:moveTo>
-                    <a:pt x="0" y="631795"/>
+                    <a:pt x="0" y="635492"/>
                   </a:moveTo>
                   <a:lnTo>
                     <a:pt x="0" y="0"/>
@@ -3347,15 +3347,15 @@
           </p:nvSpPr>
           <p:spPr>
             <a:xfrm>
-              <a:off x="5229582" y="2186361"/>
-              <a:ext cx="0" cy="631795"/>
+              <a:off x="5229415" y="2186361"/>
+              <a:ext cx="0" cy="635492"/>
             </a:xfrm>
             <a:custGeom>
               <a:avLst/>
               <a:pathLst>
-                <a:path w="0" h="631795">
+                <a:path w="0" h="635492">
                   <a:moveTo>
-                    <a:pt x="0" y="631795"/>
+                    <a:pt x="0" y="635492"/>
                   </a:moveTo>
                   <a:lnTo>
                     <a:pt x="0" y="0"/>
@@ -3390,21 +3390,21 @@
           </p:nvSpPr>
           <p:spPr>
             <a:xfrm>
-              <a:off x="2280804" y="2699695"/>
-              <a:ext cx="3259831" cy="0"/>
+              <a:off x="2279061" y="2702699"/>
+              <a:ext cx="3261574" cy="0"/>
             </a:xfrm>
             <a:custGeom>
               <a:avLst/>
               <a:pathLst>
-                <a:path w="3259831" h="0">
+                <a:path w="3261574" h="0">
                   <a:moveTo>
                     <a:pt x="0" y="0"/>
                   </a:moveTo>
                   <a:lnTo>
-                    <a:pt x="3259831" y="0"/>
-                  </a:lnTo>
-                  <a:lnTo>
-                    <a:pt x="3259831" y="0"/>
+                    <a:pt x="3261574" y="0"/>
+                  </a:lnTo>
+                  <a:lnTo>
+                    <a:pt x="3261574" y="0"/>
                   </a:lnTo>
                 </a:path>
               </a:pathLst>
@@ -3433,21 +3433,21 @@
           </p:nvSpPr>
           <p:spPr>
             <a:xfrm>
-              <a:off x="2280804" y="2502259"/>
-              <a:ext cx="3259831" cy="0"/>
+              <a:off x="2279061" y="2504107"/>
+              <a:ext cx="3261574" cy="0"/>
             </a:xfrm>
             <a:custGeom>
               <a:avLst/>
               <a:pathLst>
-                <a:path w="3259831" h="0">
+                <a:path w="3261574" h="0">
                   <a:moveTo>
                     <a:pt x="0" y="0"/>
                   </a:moveTo>
                   <a:lnTo>
-                    <a:pt x="3259831" y="0"/>
-                  </a:lnTo>
-                  <a:lnTo>
-                    <a:pt x="3259831" y="0"/>
+                    <a:pt x="3261574" y="0"/>
+                  </a:lnTo>
+                  <a:lnTo>
+                    <a:pt x="3261574" y="0"/>
                   </a:lnTo>
                 </a:path>
               </a:pathLst>
@@ -3476,21 +3476,21 @@
           </p:nvSpPr>
           <p:spPr>
             <a:xfrm>
-              <a:off x="2280804" y="2304823"/>
-              <a:ext cx="3259831" cy="0"/>
+              <a:off x="2279061" y="2305516"/>
+              <a:ext cx="3261574" cy="0"/>
             </a:xfrm>
             <a:custGeom>
               <a:avLst/>
               <a:pathLst>
-                <a:path w="3259831" h="0">
+                <a:path w="3261574" h="0">
                   <a:moveTo>
                     <a:pt x="0" y="0"/>
                   </a:moveTo>
                   <a:lnTo>
-                    <a:pt x="3259831" y="0"/>
-                  </a:lnTo>
-                  <a:lnTo>
-                    <a:pt x="3259831" y="0"/>
+                    <a:pt x="3261574" y="0"/>
+                  </a:lnTo>
+                  <a:lnTo>
+                    <a:pt x="3261574" y="0"/>
                   </a:lnTo>
                 </a:path>
               </a:pathLst>
@@ -3519,15 +3519,15 @@
           </p:nvSpPr>
           <p:spPr>
             <a:xfrm>
-              <a:off x="2280804" y="2186361"/>
-              <a:ext cx="0" cy="631795"/>
+              <a:off x="2279061" y="2186361"/>
+              <a:ext cx="0" cy="635492"/>
             </a:xfrm>
             <a:custGeom>
               <a:avLst/>
               <a:pathLst>
-                <a:path w="0" h="631795">
+                <a:path w="0" h="635492">
                   <a:moveTo>
-                    <a:pt x="0" y="631795"/>
+                    <a:pt x="0" y="635492"/>
                   </a:moveTo>
                   <a:lnTo>
                     <a:pt x="0" y="0"/>
@@ -3562,15 +3562,15 @@
           </p:nvSpPr>
           <p:spPr>
             <a:xfrm>
-              <a:off x="3123312" y="2186361"/>
-              <a:ext cx="0" cy="631795"/>
+              <a:off x="3122019" y="2186361"/>
+              <a:ext cx="0" cy="635492"/>
             </a:xfrm>
             <a:custGeom>
               <a:avLst/>
               <a:pathLst>
-                <a:path w="0" h="631795">
+                <a:path w="0" h="635492">
                   <a:moveTo>
-                    <a:pt x="0" y="631795"/>
+                    <a:pt x="0" y="635492"/>
                   </a:moveTo>
                   <a:lnTo>
                     <a:pt x="0" y="0"/>
@@ -3605,15 +3605,15 @@
           </p:nvSpPr>
           <p:spPr>
             <a:xfrm>
-              <a:off x="3965820" y="2186361"/>
-              <a:ext cx="0" cy="631795"/>
+              <a:off x="3964978" y="2186361"/>
+              <a:ext cx="0" cy="635492"/>
             </a:xfrm>
             <a:custGeom>
               <a:avLst/>
               <a:pathLst>
-                <a:path w="0" h="631795">
+                <a:path w="0" h="635492">
                   <a:moveTo>
-                    <a:pt x="0" y="631795"/>
+                    <a:pt x="0" y="635492"/>
                   </a:moveTo>
                   <a:lnTo>
                     <a:pt x="0" y="0"/>
@@ -3648,15 +3648,15 @@
           </p:nvSpPr>
           <p:spPr>
             <a:xfrm>
-              <a:off x="4808328" y="2186361"/>
-              <a:ext cx="0" cy="631795"/>
+              <a:off x="4807936" y="2186361"/>
+              <a:ext cx="0" cy="635492"/>
             </a:xfrm>
             <a:custGeom>
               <a:avLst/>
               <a:pathLst>
-                <a:path w="0" h="631795">
+                <a:path w="0" h="635492">
                   <a:moveTo>
-                    <a:pt x="0" y="631795"/>
+                    <a:pt x="0" y="635492"/>
                   </a:moveTo>
                   <a:lnTo>
                     <a:pt x="0" y="0"/>
@@ -3691,8 +3691,8 @@
           </p:nvSpPr>
           <p:spPr>
             <a:xfrm>
-              <a:off x="2280804" y="2215976"/>
-              <a:ext cx="3195913" cy="177692"/>
+              <a:off x="2279061" y="2216150"/>
+              <a:ext cx="3197622" cy="178732"/>
             </a:xfrm>
             <a:prstGeom prst="rect">
               <a:avLst/>
@@ -3717,8 +3717,8 @@
           </p:nvSpPr>
           <p:spPr>
             <a:xfrm>
-              <a:off x="2280804" y="2413413"/>
-              <a:ext cx="1485622" cy="177692"/>
+              <a:off x="2279061" y="2414741"/>
+              <a:ext cx="1486416" cy="178732"/>
             </a:xfrm>
             <a:prstGeom prst="rect">
               <a:avLst/>
@@ -3743,8 +3743,8 @@
           </p:nvSpPr>
           <p:spPr>
             <a:xfrm>
-              <a:off x="2280804" y="2610849"/>
-              <a:ext cx="466187" cy="177692"/>
+              <a:off x="2279061" y="2613333"/>
+              <a:ext cx="466437" cy="178732"/>
             </a:xfrm>
             <a:prstGeom prst="rect">
               <a:avLst/>
@@ -3769,7 +3769,7 @@
           </p:nvSpPr>
           <p:spPr>
             <a:xfrm>
-              <a:off x="5313620" y="2247587"/>
+              <a:off x="5313549" y="2248280"/>
               <a:ext cx="81303" cy="8045"/>
             </a:xfrm>
             <a:custGeom>
@@ -3812,7 +3812,7 @@
           </p:nvSpPr>
           <p:spPr>
             <a:xfrm>
-              <a:off x="5318278" y="2284005"/>
+              <a:off x="5318207" y="2284698"/>
               <a:ext cx="71987" cy="8045"/>
             </a:xfrm>
             <a:custGeom>
@@ -3855,7 +3855,7 @@
           </p:nvSpPr>
           <p:spPr>
             <a:xfrm>
-              <a:off x="5308538" y="2321269"/>
+              <a:off x="5308468" y="2321962"/>
               <a:ext cx="91466" cy="8045"/>
             </a:xfrm>
             <a:custGeom>
@@ -3898,7 +3898,7 @@
           </p:nvSpPr>
           <p:spPr>
             <a:xfrm>
-              <a:off x="3849914" y="2464174"/>
+              <a:off x="3849001" y="2466023"/>
               <a:ext cx="77492" cy="8045"/>
             </a:xfrm>
             <a:custGeom>
@@ -3941,7 +3941,7 @@
           </p:nvSpPr>
           <p:spPr>
             <a:xfrm>
-              <a:off x="3840598" y="2531504"/>
+              <a:off x="3839685" y="2533352"/>
               <a:ext cx="96124" cy="8045"/>
             </a:xfrm>
             <a:custGeom>
@@ -3984,7 +3984,7 @@
           </p:nvSpPr>
           <p:spPr>
             <a:xfrm>
-              <a:off x="2824128" y="2689559"/>
+              <a:off x="2822670" y="2692562"/>
               <a:ext cx="90196" cy="8045"/>
             </a:xfrm>
             <a:custGeom>
@@ -4027,8 +4027,8 @@
           </p:nvSpPr>
           <p:spPr>
             <a:xfrm>
-              <a:off x="2280804" y="2186361"/>
-              <a:ext cx="3259831" cy="631795"/>
+              <a:off x="2279061" y="2186361"/>
+              <a:ext cx="3261574" cy="635492"/>
             </a:xfrm>
             <a:prstGeom prst="rect">
               <a:avLst/>
@@ -4057,7 +4057,7 @@
           </p:nvSpPr>
           <p:spPr>
             <a:xfrm>
-              <a:off x="2186419" y="2660104"/>
+              <a:off x="2184675" y="2663108"/>
               <a:ext cx="55552" cy="79290"/>
             </a:xfrm>
             <a:custGeom>
@@ -4773,7 +4773,7 @@
                     <a:pt x="34813" y="14433"/>
                   </a:lnTo>
                   <a:lnTo>
-                    <a:pt x="34215" y="13969"/>
+                    <a:pt x="34215" y="13970"/>
                   </a:lnTo>
                   <a:lnTo>
                     <a:pt x="33568" y="13560"/>
@@ -5366,7 +5366,7 @@
           </p:nvSpPr>
           <p:spPr>
             <a:xfrm>
-              <a:off x="2187729" y="2462668"/>
+              <a:off x="2185985" y="2464517"/>
               <a:ext cx="53806" cy="78035"/>
             </a:xfrm>
             <a:custGeom>
@@ -6132,7 +6132,7 @@
           </p:nvSpPr>
           <p:spPr>
             <a:xfrm>
-              <a:off x="2190894" y="2266378"/>
+              <a:off x="2189150" y="2267071"/>
               <a:ext cx="52005" cy="76889"/>
             </a:xfrm>
             <a:custGeom>
@@ -6196,7 +6196,7 @@
           </p:nvSpPr>
           <p:spPr>
             <a:xfrm>
-              <a:off x="2246010" y="2699695"/>
+              <a:off x="2244266" y="2702699"/>
               <a:ext cx="34794" cy="0"/>
             </a:xfrm>
             <a:custGeom>
@@ -6236,7 +6236,7 @@
           </p:nvSpPr>
           <p:spPr>
             <a:xfrm>
-              <a:off x="2246010" y="2502259"/>
+              <a:off x="2244266" y="2504107"/>
               <a:ext cx="34794" cy="0"/>
             </a:xfrm>
             <a:custGeom>
@@ -6276,7 +6276,7 @@
           </p:nvSpPr>
           <p:spPr>
             <a:xfrm>
-              <a:off x="2246010" y="2304823"/>
+              <a:off x="2244266" y="2305516"/>
               <a:ext cx="34794" cy="0"/>
             </a:xfrm>
             <a:custGeom>
@@ -6316,7 +6316,7 @@
           </p:nvSpPr>
           <p:spPr>
             <a:xfrm>
-              <a:off x="2280804" y="2818157"/>
+              <a:off x="2279061" y="2821854"/>
               <a:ext cx="0" cy="34794"/>
             </a:xfrm>
             <a:custGeom>
@@ -6356,7 +6356,7 @@
           </p:nvSpPr>
           <p:spPr>
             <a:xfrm>
-              <a:off x="3123312" y="2818157"/>
+              <a:off x="3122019" y="2821854"/>
               <a:ext cx="0" cy="34794"/>
             </a:xfrm>
             <a:custGeom>
@@ -6396,7 +6396,7 @@
           </p:nvSpPr>
           <p:spPr>
             <a:xfrm>
-              <a:off x="3965820" y="2818157"/>
+              <a:off x="3964978" y="2821854"/>
               <a:ext cx="0" cy="34794"/>
             </a:xfrm>
             <a:custGeom>
@@ -6436,7 +6436,7 @@
           </p:nvSpPr>
           <p:spPr>
             <a:xfrm>
-              <a:off x="4808328" y="2818157"/>
+              <a:off x="4807936" y="2821854"/>
               <a:ext cx="0" cy="34794"/>
             </a:xfrm>
             <a:custGeom>
@@ -6476,7 +6476,7 @@
           </p:nvSpPr>
           <p:spPr>
             <a:xfrm>
-              <a:off x="2254092" y="2879641"/>
+              <a:off x="2252348" y="2883338"/>
               <a:ext cx="53424" cy="79126"/>
             </a:xfrm>
             <a:custGeom>
@@ -6919,7 +6919,7 @@
                     <a:pt x="48312" y="12306"/>
                   </a:lnTo>
                   <a:lnTo>
-                    <a:pt x="48894" y="13492"/>
+                    <a:pt x="48895" y="13492"/>
                   </a:lnTo>
                   <a:lnTo>
                     <a:pt x="49447" y="14740"/>
@@ -6987,7 +6987,7 @@
           </p:nvSpPr>
           <p:spPr>
             <a:xfrm>
-              <a:off x="2264024" y="2887608"/>
+              <a:off x="2262280" y="2891305"/>
               <a:ext cx="33506" cy="63137"/>
             </a:xfrm>
             <a:custGeom>
@@ -7498,7 +7498,7 @@
           </p:nvSpPr>
           <p:spPr>
             <a:xfrm>
-              <a:off x="3034335" y="2879641"/>
+              <a:off x="3033042" y="2883338"/>
               <a:ext cx="52987" cy="79126"/>
             </a:xfrm>
             <a:custGeom>
@@ -8148,7 +8148,7 @@
                     <a:pt x="38801" y="28442"/>
                   </a:lnTo>
                   <a:lnTo>
-                    <a:pt x="39126" y="27940"/>
+                    <a:pt x="39126" y="27939"/>
                   </a:lnTo>
                   <a:lnTo>
                     <a:pt x="39437" y="27412"/>
@@ -8807,7 +8807,7 @@
           </p:nvSpPr>
           <p:spPr>
             <a:xfrm>
-              <a:off x="3096600" y="2879641"/>
+              <a:off x="3095307" y="2883338"/>
               <a:ext cx="53424" cy="79126"/>
             </a:xfrm>
             <a:custGeom>
@@ -9318,7 +9318,7 @@
           </p:nvSpPr>
           <p:spPr>
             <a:xfrm>
-              <a:off x="3106532" y="2887608"/>
+              <a:off x="3105239" y="2891305"/>
               <a:ext cx="33506" cy="63137"/>
             </a:xfrm>
             <a:custGeom>
@@ -9829,7 +9829,7 @@
           </p:nvSpPr>
           <p:spPr>
             <a:xfrm>
-              <a:off x="3158755" y="2879641"/>
+              <a:off x="3157462" y="2883338"/>
               <a:ext cx="53424" cy="79126"/>
             </a:xfrm>
             <a:custGeom>
@@ -10340,7 +10340,7 @@
           </p:nvSpPr>
           <p:spPr>
             <a:xfrm>
-              <a:off x="3168687" y="2887608"/>
+              <a:off x="3167394" y="2891305"/>
               <a:ext cx="33506" cy="63137"/>
             </a:xfrm>
             <a:custGeom>
@@ -10851,7 +10851,7 @@
           </p:nvSpPr>
           <p:spPr>
             <a:xfrm>
-              <a:off x="3878262" y="2879641"/>
+              <a:off x="3877419" y="2883338"/>
               <a:ext cx="51568" cy="79126"/>
             </a:xfrm>
             <a:custGeom>
@@ -11725,7 +11725,7 @@
           </p:nvSpPr>
           <p:spPr>
             <a:xfrm>
-              <a:off x="3889012" y="2915548"/>
+              <a:off x="3888170" y="2919245"/>
               <a:ext cx="30832" cy="35306"/>
             </a:xfrm>
             <a:custGeom>
@@ -12236,7 +12236,7 @@
           </p:nvSpPr>
           <p:spPr>
             <a:xfrm>
-              <a:off x="3939108" y="2879641"/>
+              <a:off x="3938265" y="2883338"/>
               <a:ext cx="53424" cy="79126"/>
             </a:xfrm>
             <a:custGeom>
@@ -12747,7 +12747,7 @@
           </p:nvSpPr>
           <p:spPr>
             <a:xfrm>
-              <a:off x="3949039" y="2887608"/>
+              <a:off x="3948197" y="2891305"/>
               <a:ext cx="33506" cy="63137"/>
             </a:xfrm>
             <a:custGeom>
@@ -13258,7 +13258,7 @@
           </p:nvSpPr>
           <p:spPr>
             <a:xfrm>
-              <a:off x="4001263" y="2879641"/>
+              <a:off x="4000421" y="2883338"/>
               <a:ext cx="53424" cy="79126"/>
             </a:xfrm>
             <a:custGeom>
@@ -13769,7 +13769,7 @@
           </p:nvSpPr>
           <p:spPr>
             <a:xfrm>
-              <a:off x="4011195" y="2887608"/>
+              <a:off x="4010353" y="2891305"/>
               <a:ext cx="33506" cy="63137"/>
             </a:xfrm>
             <a:custGeom>
@@ -14280,7 +14280,7 @@
           </p:nvSpPr>
           <p:spPr>
             <a:xfrm>
-              <a:off x="4720333" y="2879641"/>
+              <a:off x="4719941" y="2883338"/>
               <a:ext cx="51623" cy="79126"/>
             </a:xfrm>
             <a:custGeom>
@@ -15011,7 +15011,7 @@
                     <a:pt x="6072" y="7665"/>
                   </a:lnTo>
                   <a:lnTo>
-                    <a:pt x="6712" y="6984"/>
+                    <a:pt x="6712" y="6985"/>
                   </a:lnTo>
                   <a:lnTo>
                     <a:pt x="7381" y="6324"/>
@@ -15154,7 +15154,7 @@
           </p:nvSpPr>
           <p:spPr>
             <a:xfrm>
-              <a:off x="4730319" y="2887608"/>
+              <a:off x="4729928" y="2891305"/>
               <a:ext cx="30941" cy="36070"/>
             </a:xfrm>
             <a:custGeom>
@@ -15665,7 +15665,7 @@
           </p:nvSpPr>
           <p:spPr>
             <a:xfrm>
-              <a:off x="4781615" y="2879641"/>
+              <a:off x="4781224" y="2883338"/>
               <a:ext cx="53424" cy="79126"/>
             </a:xfrm>
             <a:custGeom>
@@ -16176,7 +16176,7 @@
           </p:nvSpPr>
           <p:spPr>
             <a:xfrm>
-              <a:off x="4791547" y="2887608"/>
+              <a:off x="4791156" y="2891305"/>
               <a:ext cx="33506" cy="63137"/>
             </a:xfrm>
             <a:custGeom>
@@ -16687,7 +16687,7 @@
           </p:nvSpPr>
           <p:spPr>
             <a:xfrm>
-              <a:off x="4843771" y="2879641"/>
+              <a:off x="4843379" y="2883338"/>
               <a:ext cx="53424" cy="79126"/>
             </a:xfrm>
             <a:custGeom>
@@ -17198,7 +17198,7 @@
           </p:nvSpPr>
           <p:spPr>
             <a:xfrm>
-              <a:off x="4853703" y="2887608"/>
+              <a:off x="4853311" y="2891305"/>
               <a:ext cx="33506" cy="63137"/>
             </a:xfrm>
             <a:custGeom>
